--- a/pics/wiki_架构介绍_总体架构_0.pptx
+++ b/pics/wiki_架构介绍_总体架构_0.pptx
@@ -10210,8 +10210,8 @@
           </p:nvSpPr>
           <p:spPr>
             <a:xfrm>
-              <a:off x="2959483" y="3972089"/>
-              <a:ext cx="844806" cy="487290"/>
+              <a:off x="2950775" y="3972089"/>
+              <a:ext cx="929828" cy="487290"/>
             </a:xfrm>
             <a:prstGeom prst="rect">
               <a:avLst/>
